--- a/slides/python.pptx
+++ b/slides/python.pptx
@@ -529,7 +529,7 @@
           <a:p>
             <a:fld id="{5EB47243-285B-2741-8C7D-C88258D9CCFA}" type="datetimeFigureOut">
               <a:rPr lang="fr-FR" smtClean="0"/>
-              <a:t>31/10/16</a:t>
+              <a:t>09/11/16</a:t>
             </a:fld>
             <a:endParaRPr lang="fr-FR"/>
           </a:p>
@@ -695,7 +695,7 @@
           <a:p>
             <a:fld id="{7D088D39-B4EA-D24B-B9C3-6A64886EABE2}" type="datetimeFigureOut">
               <a:rPr lang="fr-FR" smtClean="0"/>
-              <a:t>31/10/16</a:t>
+              <a:t>09/11/16</a:t>
             </a:fld>
             <a:endParaRPr lang="fr-FR"/>
           </a:p>
@@ -5956,7 +5956,7 @@
           <a:p>
             <a:fld id="{751463B9-2A29-154C-A5AC-383AEA094CA9}" type="datetime1">
               <a:rPr lang="fr-FR" smtClean="0"/>
-              <a:t>31/10/16</a:t>
+              <a:t>09/11/16</a:t>
             </a:fld>
             <a:endParaRPr lang="fr-FR" dirty="0"/>
           </a:p>
@@ -6457,7 +6457,7 @@
           <a:p>
             <a:fld id="{093F68C3-195D-9E4F-A0F2-F73993E4FFAC}" type="datetime1">
               <a:rPr lang="fr-FR" smtClean="0"/>
-              <a:t>31/10/16</a:t>
+              <a:t>09/11/16</a:t>
             </a:fld>
             <a:endParaRPr lang="fr-FR" dirty="0"/>
           </a:p>
@@ -7880,7 +7880,7 @@
           <a:p>
             <a:fld id="{797E56E4-32A0-A24B-AE7B-5E5E4DFEC148}" type="datetime1">
               <a:rPr lang="fr-FR" smtClean="0"/>
-              <a:t>31/10/16</a:t>
+              <a:t>09/11/16</a:t>
             </a:fld>
             <a:endParaRPr lang="fr-FR" dirty="0"/>
           </a:p>
@@ -8791,7 +8791,7 @@
           <a:p>
             <a:fld id="{DE9A3856-CABC-754C-812C-14B8D30E1B18}" type="datetime1">
               <a:rPr lang="fr-FR" smtClean="0"/>
-              <a:t>31/10/16</a:t>
+              <a:t>09/11/16</a:t>
             </a:fld>
             <a:endParaRPr lang="fr-FR" dirty="0"/>
           </a:p>
@@ -9443,7 +9443,7 @@
           <a:p>
             <a:fld id="{93CBED37-D7BB-174A-9FC7-56685CD6E865}" type="datetime1">
               <a:rPr lang="fr-FR" smtClean="0"/>
-              <a:t>31/10/16</a:t>
+              <a:t>09/11/16</a:t>
             </a:fld>
             <a:endParaRPr lang="fr-FR" dirty="0"/>
           </a:p>
@@ -11054,7 +11054,7 @@
           <a:p>
             <a:fld id="{4A36708A-A74F-D144-99B7-9E7373111E3F}" type="datetime1">
               <a:rPr lang="fr-FR" smtClean="0"/>
-              <a:t>31/10/16</a:t>
+              <a:t>09/11/16</a:t>
             </a:fld>
             <a:endParaRPr lang="fr-FR" dirty="0"/>
           </a:p>
@@ -12226,7 +12226,7 @@
           <a:p>
             <a:fld id="{AB52CF4D-4ED3-CD4E-AAB3-2DE1E5BFD40C}" type="datetime1">
               <a:rPr lang="fr-FR" smtClean="0"/>
-              <a:t>31/10/16</a:t>
+              <a:t>09/11/16</a:t>
             </a:fld>
             <a:endParaRPr lang="fr-FR" dirty="0"/>
           </a:p>
@@ -13328,7 +13328,7 @@
           <a:p>
             <a:fld id="{96FB2786-AAD5-FD45-887E-EF5E7CD549BC}" type="datetime1">
               <a:rPr lang="fr-FR" smtClean="0"/>
-              <a:t>31/10/16</a:t>
+              <a:t>09/11/16</a:t>
             </a:fld>
             <a:endParaRPr lang="fr-FR" dirty="0"/>
           </a:p>
@@ -14397,7 +14397,7 @@
           <a:p>
             <a:fld id="{BAF8E10C-8EC3-0445-8AC7-B6EC4208D61D}" type="datetime1">
               <a:rPr lang="fr-FR" smtClean="0"/>
-              <a:t>31/10/16</a:t>
+              <a:t>09/11/16</a:t>
             </a:fld>
             <a:endParaRPr lang="fr-FR" dirty="0"/>
           </a:p>
@@ -15709,7 +15709,7 @@
           <a:p>
             <a:fld id="{699AB616-0234-D54F-99FF-8E04F0C35AB0}" type="datetime1">
               <a:rPr lang="fr-FR" smtClean="0"/>
-              <a:t>31/10/16</a:t>
+              <a:t>09/11/16</a:t>
             </a:fld>
             <a:endParaRPr lang="fr-FR" dirty="0"/>
           </a:p>
@@ -16728,7 +16728,7 @@
           <a:p>
             <a:fld id="{60307B84-0F4B-7440-A630-E7011DC2BC1B}" type="datetime1">
               <a:rPr lang="fr-FR" smtClean="0"/>
-              <a:t>31/10/16</a:t>
+              <a:t>09/11/16</a:t>
             </a:fld>
             <a:endParaRPr lang="fr-FR" dirty="0"/>
           </a:p>
@@ -18002,7 +18002,7 @@
           <a:p>
             <a:fld id="{1FFBF990-51E3-ED4E-9917-247F77CC2235}" type="datetime1">
               <a:rPr lang="fr-FR" smtClean="0"/>
-              <a:t>31/10/16</a:t>
+              <a:t>09/11/16</a:t>
             </a:fld>
             <a:endParaRPr lang="fr-FR" dirty="0"/>
           </a:p>
@@ -18950,7 +18950,7 @@
           <a:p>
             <a:fld id="{879AD418-6C33-B94F-B67F-88D6EBB6E0D6}" type="datetime1">
               <a:rPr lang="fr-FR" smtClean="0"/>
-              <a:t>31/10/16</a:t>
+              <a:t>09/11/16</a:t>
             </a:fld>
             <a:endParaRPr lang="fr-FR" dirty="0"/>
           </a:p>
@@ -20223,7 +20223,7 @@
           <a:p>
             <a:fld id="{D3144878-28D7-2449-A858-242300DEEEF2}" type="datetime1">
               <a:rPr lang="fr-FR" smtClean="0"/>
-              <a:t>31/10/16</a:t>
+              <a:t>09/11/16</a:t>
             </a:fld>
             <a:endParaRPr lang="fr-FR" dirty="0"/>
           </a:p>
@@ -21137,7 +21137,7 @@
           <a:p>
             <a:fld id="{25BE81B4-6103-C545-A085-99043BCEEEB0}" type="datetime1">
               <a:rPr lang="fr-FR" smtClean="0"/>
-              <a:t>31/10/16</a:t>
+              <a:t>09/11/16</a:t>
             </a:fld>
             <a:endParaRPr lang="fr-FR" dirty="0"/>
           </a:p>
@@ -21757,11 +21757,7 @@
             </a:r>
             <a:r>
               <a:rPr lang="en-US" dirty="0" smtClean="0"/>
-              <a:t>figure </a:t>
-            </a:r>
-            <a:r>
-              <a:rPr lang="en-US" dirty="0" smtClean="0"/>
-              <a:t>above</a:t>
+              <a:t>figure above</a:t>
             </a:r>
           </a:p>
           <a:p>
@@ -21813,7 +21809,7 @@
           <a:p>
             <a:fld id="{1C313947-E3B0-C84E-9706-2E44F61BCD95}" type="datetime1">
               <a:rPr lang="fr-FR" smtClean="0"/>
-              <a:t>31/10/16</a:t>
+              <a:t>09/11/16</a:t>
             </a:fld>
             <a:endParaRPr lang="fr-FR" dirty="0"/>
           </a:p>
@@ -22781,7 +22777,7 @@
           <a:p>
             <a:fld id="{D451B79B-677F-5E43-B8AA-276A40053AD2}" type="datetime1">
               <a:rPr lang="fr-FR" smtClean="0"/>
-              <a:t>31/10/16</a:t>
+              <a:t>09/11/16</a:t>
             </a:fld>
             <a:endParaRPr lang="fr-FR" dirty="0"/>
           </a:p>
@@ -23689,7 +23685,7 @@
           <a:p>
             <a:fld id="{2D279393-B109-1841-B1A2-56CECB19BBFD}" type="datetime1">
               <a:rPr lang="fr-FR" smtClean="0"/>
-              <a:t>31/10/16</a:t>
+              <a:t>09/11/16</a:t>
             </a:fld>
             <a:endParaRPr lang="fr-FR" dirty="0"/>
           </a:p>
@@ -24568,11 +24564,7 @@
             </a:r>
             <a:r>
               <a:rPr lang="en-US" dirty="0" smtClean="0"/>
-              <a:t>vailable </a:t>
-            </a:r>
-            <a:r>
-              <a:rPr lang="en-US" dirty="0" smtClean="0"/>
-              <a:t>in </a:t>
+              <a:t>vailable in </a:t>
             </a:r>
             <a:r>
               <a:rPr lang="en-US" dirty="0" err="1" smtClean="0"/>
@@ -25204,7 +25196,7 @@
           <a:p>
             <a:fld id="{DB41915D-5741-AE4A-919E-812B067D5353}" type="datetime1">
               <a:rPr lang="fr-FR" smtClean="0"/>
-              <a:t>31/10/16</a:t>
+              <a:t>09/11/16</a:t>
             </a:fld>
             <a:endParaRPr lang="fr-FR" dirty="0"/>
           </a:p>
@@ -26085,7 +26077,7 @@
           <a:p>
             <a:fld id="{1756404F-D190-1049-81CC-036776657879}" type="datetime1">
               <a:rPr lang="fr-FR" smtClean="0"/>
-              <a:t>31/10/16</a:t>
+              <a:t>09/11/16</a:t>
             </a:fld>
             <a:endParaRPr lang="fr-FR" dirty="0"/>
           </a:p>
@@ -26820,7 +26812,7 @@
           <a:p>
             <a:fld id="{9FDB5FE5-E111-8B43-907E-911C1A8B8ACA}" type="datetime1">
               <a:rPr lang="fr-FR" smtClean="0"/>
-              <a:t>31/10/16</a:t>
+              <a:t>09/11/16</a:t>
             </a:fld>
             <a:endParaRPr lang="fr-FR" dirty="0"/>
           </a:p>
@@ -27281,7 +27273,7 @@
           <a:p>
             <a:fld id="{90CA1F5A-103A-244D-8F4A-262A8624F39D}" type="datetime1">
               <a:rPr lang="fr-FR" smtClean="0"/>
-              <a:t>31/10/16</a:t>
+              <a:t>09/11/16</a:t>
             </a:fld>
             <a:endParaRPr lang="fr-FR" dirty="0"/>
           </a:p>
@@ -27847,7 +27839,7 @@
           <a:p>
             <a:fld id="{91722139-D3E7-4C40-A912-CF1D68207057}" type="datetime1">
               <a:rPr lang="fr-FR" smtClean="0"/>
-              <a:t>31/10/16</a:t>
+              <a:t>09/11/16</a:t>
             </a:fld>
             <a:endParaRPr lang="fr-FR" dirty="0"/>
           </a:p>
@@ -28485,7 +28477,7 @@
           <a:p>
             <a:fld id="{F575202B-7270-FA4F-9347-72520CA09DD1}" type="datetime1">
               <a:rPr lang="fr-FR" smtClean="0"/>
-              <a:t>31/10/16</a:t>
+              <a:t>09/11/16</a:t>
             </a:fld>
             <a:endParaRPr lang="fr-FR" dirty="0"/>
           </a:p>
@@ -29254,7 +29246,7 @@
           <a:p>
             <a:fld id="{9BBFB046-DC18-C04D-BD7C-1BA0FC9E7F71}" type="datetime1">
               <a:rPr lang="fr-FR" smtClean="0"/>
-              <a:t>31/10/16</a:t>
+              <a:t>09/11/16</a:t>
             </a:fld>
             <a:endParaRPr lang="fr-FR" dirty="0"/>
           </a:p>
@@ -29468,7 +29460,7 @@
           <a:p>
             <a:fld id="{7CB59A03-4E78-3143-BA5B-9B04A458933E}" type="datetime1">
               <a:rPr lang="fr-FR" smtClean="0"/>
-              <a:t>31/10/16</a:t>
+              <a:t>09/11/16</a:t>
             </a:fld>
             <a:endParaRPr lang="fr-FR" dirty="0"/>
           </a:p>
@@ -29872,25 +29864,8 @@
                 <a:latin typeface="Arial"/>
                 <a:cs typeface="Arial"/>
               </a:rPr>
-              <a:t> (most recent call last)</a:t>
-            </a:r>
-            <a:r>
-              <a:rPr lang="en-US" sz="1200" dirty="0" smtClean="0">
-                <a:solidFill>
-                  <a:srgbClr val="FF0000"/>
-                </a:solidFill>
-                <a:latin typeface="Arial"/>
-                <a:cs typeface="Arial"/>
-              </a:rPr>
-              <a:t>:</a:t>
-            </a:r>
-            <a:endParaRPr lang="en-US" sz="1200" dirty="0" smtClean="0">
-              <a:solidFill>
-                <a:srgbClr val="FF0000"/>
-              </a:solidFill>
-              <a:latin typeface="Arial"/>
-              <a:cs typeface="Arial"/>
-            </a:endParaRPr>
+              <a:t> (most recent call last):</a:t>
+            </a:r>
           </a:p>
           <a:p>
             <a:r>
@@ -30769,7 +30744,7 @@
           <a:p>
             <a:fld id="{816908AA-A60E-9D4B-A089-9B6A43B56327}" type="datetime1">
               <a:rPr lang="fr-FR" smtClean="0"/>
-              <a:t>31/10/16</a:t>
+              <a:t>09/11/16</a:t>
             </a:fld>
             <a:endParaRPr lang="fr-FR" dirty="0"/>
           </a:p>
@@ -31730,7 +31705,7 @@
           <a:p>
             <a:fld id="{FA7473CA-1C1D-5047-82A9-6D3164075AEC}" type="datetime1">
               <a:rPr lang="fr-FR" smtClean="0"/>
-              <a:t>31/10/16</a:t>
+              <a:t>09/11/16</a:t>
             </a:fld>
             <a:endParaRPr lang="fr-FR" dirty="0"/>
           </a:p>
@@ -32366,7 +32341,7 @@
           <a:p>
             <a:fld id="{9881040A-37B7-1E4F-8B8D-A8349C44DD58}" type="datetime1">
               <a:rPr lang="fr-FR" smtClean="0"/>
-              <a:t>31/10/16</a:t>
+              <a:t>09/11/16</a:t>
             </a:fld>
             <a:endParaRPr lang="fr-FR" dirty="0"/>
           </a:p>
@@ -32678,7 +32653,7 @@
           <a:p>
             <a:fld id="{3A313E42-2034-0C4C-90FA-CC733141D71F}" type="datetime1">
               <a:rPr lang="fr-FR" smtClean="0"/>
-              <a:t>31/10/16</a:t>
+              <a:t>09/11/16</a:t>
             </a:fld>
             <a:endParaRPr lang="fr-FR" dirty="0"/>
           </a:p>
@@ -33218,7 +33193,7 @@
           <a:p>
             <a:fld id="{EF0CC369-8BF5-4447-A268-1A95D7BAF82B}" type="datetime1">
               <a:rPr lang="fr-FR" smtClean="0"/>
-              <a:t>31/10/16</a:t>
+              <a:t>09/11/16</a:t>
             </a:fld>
             <a:endParaRPr lang="fr-FR" dirty="0"/>
           </a:p>
@@ -33544,7 +33519,7 @@
           <a:p>
             <a:fld id="{4DC62012-9C0C-7143-9161-0A3C9CE79638}" type="datetime1">
               <a:rPr lang="fr-FR" smtClean="0"/>
-              <a:t>31/10/16</a:t>
+              <a:t>09/11/16</a:t>
             </a:fld>
             <a:endParaRPr lang="fr-FR" dirty="0"/>
           </a:p>
@@ -33795,7 +33770,7 @@
           <a:p>
             <a:fld id="{72741207-764C-004C-8831-C7E046B53622}" type="datetime1">
               <a:rPr lang="fr-FR" smtClean="0"/>
-              <a:t>31/10/16</a:t>
+              <a:t>09/11/16</a:t>
             </a:fld>
             <a:endParaRPr lang="fr-FR" dirty="0"/>
           </a:p>
@@ -34408,7 +34383,7 @@
           <a:p>
             <a:fld id="{A9AA8C93-4125-7549-8839-0DEE7F7186D5}" type="datetime1">
               <a:rPr lang="fr-FR" smtClean="0"/>
-              <a:t>31/10/16</a:t>
+              <a:t>09/11/16</a:t>
             </a:fld>
             <a:endParaRPr lang="fr-FR" dirty="0"/>
           </a:p>
@@ -35218,7 +35193,7 @@
           <a:p>
             <a:fld id="{E9217AA4-221F-3F48-9D30-1F4C1B4927C2}" type="datetime1">
               <a:rPr lang="fr-FR" smtClean="0"/>
-              <a:t>31/10/16</a:t>
+              <a:t>09/11/16</a:t>
             </a:fld>
             <a:endParaRPr lang="fr-FR" dirty="0"/>
           </a:p>
@@ -36335,11 +36310,7 @@
             </a:r>
             <a:r>
               <a:rPr lang="en-US" sz="1800" dirty="0" smtClean="0"/>
-              <a:t>”</a:t>
-            </a:r>
-            <a:r>
-              <a:rPr lang="en-US" sz="1800" dirty="0" smtClean="0"/>
-              <a:t> </a:t>
+              <a:t>” </a:t>
             </a:r>
             <a:r>
               <a:rPr lang="en-US" sz="1800" dirty="0"/>
@@ -36355,15 +36326,7 @@
             </a:r>
             <a:r>
               <a:rPr lang="en-US" sz="1800" dirty="0" smtClean="0"/>
-              <a:t>”</a:t>
-            </a:r>
-            <a:r>
-              <a:rPr lang="en-US" sz="1800" dirty="0" smtClean="0"/>
-              <a:t> </a:t>
-            </a:r>
-            <a:r>
-              <a:rPr lang="en-US" sz="1800" dirty="0" smtClean="0"/>
-              <a:t>files</a:t>
+              <a:t>” files</a:t>
             </a:r>
             <a:endParaRPr lang="en-US" sz="1800" dirty="0"/>
           </a:p>
@@ -36405,7 +36368,7 @@
           <a:p>
             <a:fld id="{B30A75EC-4088-B547-BDB8-649A7E021FEA}" type="datetime1">
               <a:rPr lang="fr-FR" smtClean="0"/>
-              <a:t>31/10/16</a:t>
+              <a:t>09/11/16</a:t>
             </a:fld>
             <a:endParaRPr lang="fr-FR" dirty="0"/>
           </a:p>
@@ -36543,7 +36506,7 @@
           <a:p>
             <a:fld id="{BE3E0818-2A22-BB4C-A3D2-172170FC9800}" type="datetime1">
               <a:rPr lang="fr-FR" smtClean="0"/>
-              <a:t>31/10/16</a:t>
+              <a:t>09/11/16</a:t>
             </a:fld>
             <a:endParaRPr lang="fr-FR" dirty="0"/>
           </a:p>
@@ -36729,7 +36692,7 @@
           <a:p>
             <a:fld id="{89CE0084-A44A-3C4D-8A5E-52377276F565}" type="datetime1">
               <a:rPr lang="fr-FR" smtClean="0"/>
-              <a:t>31/10/16</a:t>
+              <a:t>09/11/16</a:t>
             </a:fld>
             <a:endParaRPr lang="fr-FR" dirty="0"/>
           </a:p>
@@ -37838,7 +37801,7 @@
           <a:p>
             <a:fld id="{C257979C-8FEC-D640-9BD5-9B8685343342}" type="datetime1">
               <a:rPr lang="fr-FR" smtClean="0"/>
-              <a:t>31/10/16</a:t>
+              <a:t>09/11/16</a:t>
             </a:fld>
             <a:endParaRPr lang="fr-FR" dirty="0"/>
           </a:p>
@@ -39352,7 +39315,7 @@
           <a:p>
             <a:fld id="{6882C64F-B331-774E-A59B-8F3EE47035FF}" type="datetime1">
               <a:rPr lang="fr-FR" smtClean="0"/>
-              <a:t>31/10/16</a:t>
+              <a:t>09/11/16</a:t>
             </a:fld>
             <a:endParaRPr lang="fr-FR" dirty="0"/>
           </a:p>
@@ -39681,7 +39644,7 @@
           <a:p>
             <a:fld id="{ABAB19B1-CC70-8843-9637-4006C005BD1B}" type="datetime1">
               <a:rPr lang="fr-FR" smtClean="0"/>
-              <a:t>31/10/16</a:t>
+              <a:t>09/11/16</a:t>
             </a:fld>
             <a:endParaRPr lang="fr-FR" dirty="0"/>
           </a:p>
@@ -40059,7 +40022,7 @@
           <a:p>
             <a:fld id="{2D8637C9-66A4-2A4C-925D-CE82F1F821E3}" type="datetime1">
               <a:rPr lang="fr-FR" smtClean="0"/>
-              <a:t>31/10/16</a:t>
+              <a:t>09/11/16</a:t>
             </a:fld>
             <a:endParaRPr lang="fr-FR" dirty="0"/>
           </a:p>
@@ -40285,11 +40248,7 @@
             </a:r>
             <a:r>
               <a:rPr lang="en-US" sz="1600" dirty="0"/>
-              <a:t>start </a:t>
-            </a:r>
-            <a:r>
-              <a:rPr lang="en-US" sz="1600" dirty="0"/>
-              <a:t>and end coordinates and a </a:t>
+              <a:t>start and end coordinates and a </a:t>
             </a:r>
             <a:r>
               <a:rPr lang="en-US" sz="1600" dirty="0" smtClean="0"/>
@@ -40370,7 +40329,7 @@
           <a:p>
             <a:fld id="{44BBE824-3CB2-954A-97D7-F18121C54E86}" type="datetime1">
               <a:rPr lang="fr-FR" smtClean="0"/>
-              <a:t>31/10/16</a:t>
+              <a:t>09/11/16</a:t>
             </a:fld>
             <a:endParaRPr lang="fr-FR" dirty="0"/>
           </a:p>
@@ -40662,7 +40621,7 @@
           <a:p>
             <a:fld id="{B0790C7E-10EB-2B46-A010-B0847CC08D7B}" type="datetime1">
               <a:rPr lang="fr-FR" smtClean="0"/>
-              <a:t>31/10/16</a:t>
+              <a:t>09/11/16</a:t>
             </a:fld>
             <a:endParaRPr lang="fr-FR" dirty="0"/>
           </a:p>
@@ -40941,7 +40900,7 @@
           <a:p>
             <a:fld id="{884A3A46-43BE-7E4D-933B-8C7543A764DE}" type="datetime1">
               <a:rPr lang="fr-FR" smtClean="0"/>
-              <a:t>31/10/16</a:t>
+              <a:t>09/11/16</a:t>
             </a:fld>
             <a:endParaRPr lang="fr-FR" dirty="0"/>
           </a:p>
@@ -41096,7 +41055,7 @@
           <a:p>
             <a:fld id="{C26D7555-3760-DE40-AAB3-C0358C041062}" type="datetime1">
               <a:rPr lang="fr-FR" smtClean="0"/>
-              <a:t>31/10/16</a:t>
+              <a:t>09/11/16</a:t>
             </a:fld>
             <a:endParaRPr lang="fr-FR" dirty="0"/>
           </a:p>
@@ -42048,7 +42007,7 @@
           <a:p>
             <a:fld id="{B78E4C01-D620-5F47-81AE-6CCE1DF3C584}" type="datetime1">
               <a:rPr lang="fr-FR" smtClean="0"/>
-              <a:t>31/10/16</a:t>
+              <a:t>09/11/16</a:t>
             </a:fld>
             <a:endParaRPr lang="fr-FR" dirty="0"/>
           </a:p>
@@ -42213,7 +42172,7 @@
           <a:p>
             <a:fld id="{05A13A17-8CE1-3D4B-B557-8F5985A39089}" type="datetime1">
               <a:rPr lang="fr-FR" smtClean="0"/>
-              <a:t>31/10/16</a:t>
+              <a:t>09/11/16</a:t>
             </a:fld>
             <a:endParaRPr lang="fr-FR" dirty="0"/>
           </a:p>
@@ -42971,7 +42930,7 @@
           <a:p>
             <a:fld id="{87E62055-646B-0044-B110-588938BE1249}" type="datetime1">
               <a:rPr lang="fr-FR" smtClean="0"/>
-              <a:t>31/10/16</a:t>
+              <a:t>09/11/16</a:t>
             </a:fld>
             <a:endParaRPr lang="fr-FR" dirty="0"/>
           </a:p>
@@ -43578,7 +43537,7 @@
           <a:p>
             <a:fld id="{15B55508-D6FD-E146-9E0C-7559EF84C510}" type="datetime1">
               <a:rPr lang="fr-FR" smtClean="0"/>
-              <a:t>31/10/16</a:t>
+              <a:t>09/11/16</a:t>
             </a:fld>
             <a:endParaRPr lang="fr-FR" dirty="0"/>
           </a:p>
@@ -43716,7 +43675,7 @@
           <a:p>
             <a:fld id="{C973F3C1-11A8-D04D-95A5-A1A99A6B4EA2}" type="datetime1">
               <a:rPr lang="fr-FR" smtClean="0"/>
-              <a:t>31/10/16</a:t>
+              <a:t>09/11/16</a:t>
             </a:fld>
             <a:endParaRPr lang="fr-FR" dirty="0"/>
           </a:p>
@@ -43854,7 +43813,7 @@
           <a:p>
             <a:fld id="{91E3AD9E-7669-5248-BB26-CB9ACFE4FF19}" type="datetime1">
               <a:rPr lang="fr-FR" smtClean="0"/>
-              <a:t>31/10/16</a:t>
+              <a:t>09/11/16</a:t>
             </a:fld>
             <a:endParaRPr lang="fr-FR" dirty="0"/>
           </a:p>
@@ -43992,7 +43951,7 @@
           <a:p>
             <a:fld id="{547AF819-BBC3-A543-8BA9-FA628D21DBBF}" type="datetime1">
               <a:rPr lang="fr-FR" smtClean="0"/>
-              <a:t>31/10/16</a:t>
+              <a:t>09/11/16</a:t>
             </a:fld>
             <a:endParaRPr lang="fr-FR" dirty="0"/>
           </a:p>
@@ -44134,7 +44093,7 @@
           <a:p>
             <a:fld id="{862F3601-7146-CC48-8697-FBF0FCFBEDF9}" type="datetime1">
               <a:rPr lang="fr-FR" smtClean="0"/>
-              <a:t>31/10/16</a:t>
+              <a:t>09/11/16</a:t>
             </a:fld>
             <a:endParaRPr lang="fr-FR" dirty="0"/>
           </a:p>
@@ -44276,7 +44235,7 @@
           <a:p>
             <a:fld id="{8978B048-116F-A14A-837B-3E8B8913224D}" type="datetime1">
               <a:rPr lang="fr-FR" smtClean="0"/>
-              <a:t>31/10/16</a:t>
+              <a:t>09/11/16</a:t>
             </a:fld>
             <a:endParaRPr lang="fr-FR" dirty="0"/>
           </a:p>
@@ -44422,7 +44381,7 @@
           <a:p>
             <a:fld id="{FFDABE6F-0AA6-9E48-B9FA-1EECEBC5549A}" type="datetime1">
               <a:rPr lang="fr-FR" smtClean="0"/>
-              <a:t>31/10/16</a:t>
+              <a:t>09/11/16</a:t>
             </a:fld>
             <a:endParaRPr lang="fr-FR" dirty="0"/>
           </a:p>
@@ -44560,7 +44519,7 @@
           <a:p>
             <a:fld id="{5F336E86-3137-6A4D-A04D-675C97C898DD}" type="datetime1">
               <a:rPr lang="fr-FR" smtClean="0"/>
-              <a:t>31/10/16</a:t>
+              <a:t>09/11/16</a:t>
             </a:fld>
             <a:endParaRPr lang="fr-FR" dirty="0"/>
           </a:p>
@@ -44872,7 +44831,7 @@
           <a:p>
             <a:fld id="{CECE4330-7765-6A46-8D6E-E482C0B014EB}" type="datetime1">
               <a:rPr lang="fr-FR" smtClean="0"/>
-              <a:t>31/10/16</a:t>
+              <a:t>09/11/16</a:t>
             </a:fld>
             <a:endParaRPr lang="fr-FR" dirty="0"/>
           </a:p>
@@ -45149,7 +45108,7 @@
           <a:p>
             <a:fld id="{90659545-D80F-6940-8935-5444DDD11EC2}" type="datetime1">
               <a:rPr lang="fr-FR" smtClean="0"/>
-              <a:t>31/10/16</a:t>
+              <a:t>09/11/16</a:t>
             </a:fld>
             <a:endParaRPr lang="fr-FR" dirty="0"/>
           </a:p>
@@ -45342,7 +45301,7 @@
           <a:p>
             <a:fld id="{A18E86D2-2400-D240-81D5-6CBAAA5AF849}" type="datetime1">
               <a:rPr lang="fr-FR" smtClean="0"/>
-              <a:t>31/10/16</a:t>
+              <a:t>09/11/16</a:t>
             </a:fld>
             <a:endParaRPr lang="fr-FR" dirty="0"/>
           </a:p>
@@ -46020,7 +45979,7 @@
           <a:p>
             <a:fld id="{564E6AB2-EF21-D540-84B2-7C8042AC94AB}" type="datetime1">
               <a:rPr lang="fr-FR" smtClean="0"/>
-              <a:t>31/10/16</a:t>
+              <a:t>09/11/16</a:t>
             </a:fld>
             <a:endParaRPr lang="fr-FR" dirty="0"/>
           </a:p>
@@ -47224,7 +47183,7 @@
           <a:p>
             <a:fld id="{52E5C328-EAC5-6D4F-BF89-2F637320300D}" type="datetime1">
               <a:rPr lang="fr-FR" smtClean="0"/>
-              <a:t>31/10/16</a:t>
+              <a:t>09/11/16</a:t>
             </a:fld>
             <a:endParaRPr lang="fr-FR" dirty="0"/>
           </a:p>
@@ -47887,7 +47846,7 @@
           <a:p>
             <a:fld id="{878310B8-6126-3C41-B9B4-558208F84FEB}" type="datetime1">
               <a:rPr lang="fr-FR" smtClean="0"/>
-              <a:t>31/10/16</a:t>
+              <a:t>09/11/16</a:t>
             </a:fld>
             <a:endParaRPr lang="fr-FR" dirty="0"/>
           </a:p>
@@ -48694,7 +48653,7 @@
           <a:p>
             <a:fld id="{08CC1CE2-FA4A-BF48-A633-72794A498081}" type="datetime1">
               <a:rPr lang="fr-FR" smtClean="0"/>
-              <a:t>31/10/16</a:t>
+              <a:t>09/11/16</a:t>
             </a:fld>
             <a:endParaRPr lang="fr-FR" dirty="0"/>
           </a:p>
@@ -49589,7 +49548,7 @@
           <a:p>
             <a:fld id="{C6E96DDF-712C-D346-ACEE-2353D137A244}" type="datetime1">
               <a:rPr lang="fr-FR" smtClean="0"/>
-              <a:t>31/10/16</a:t>
+              <a:t>09/11/16</a:t>
             </a:fld>
             <a:endParaRPr lang="fr-FR" dirty="0"/>
           </a:p>
@@ -50517,7 +50476,7 @@
           <a:p>
             <a:fld id="{601363C9-4338-7443-BE61-F4B71B9923D9}" type="datetime1">
               <a:rPr lang="fr-FR" smtClean="0"/>
-              <a:t>31/10/16</a:t>
+              <a:t>09/11/16</a:t>
             </a:fld>
             <a:endParaRPr lang="fr-FR" dirty="0"/>
           </a:p>
@@ -51060,7 +51019,7 @@
           <a:p>
             <a:fld id="{46D5979B-4747-FB4A-BF70-76809C1BEB78}" type="datetime1">
               <a:rPr lang="fr-FR" smtClean="0"/>
-              <a:t>31/10/16</a:t>
+              <a:t>09/11/16</a:t>
             </a:fld>
             <a:endParaRPr lang="fr-FR" dirty="0"/>
           </a:p>
@@ -51246,7 +51205,7 @@
           <a:p>
             <a:fld id="{19B5B906-DB60-254B-B982-F62329EB7F88}" type="datetime1">
               <a:rPr lang="fr-FR" smtClean="0"/>
-              <a:t>31/10/16</a:t>
+              <a:t>09/11/16</a:t>
             </a:fld>
             <a:endParaRPr lang="fr-FR" dirty="0"/>
           </a:p>
@@ -51469,7 +51428,7 @@
           <a:p>
             <a:fld id="{EA70A93A-7945-DF4B-9F61-E692557D4A7D}" type="datetime1">
               <a:rPr lang="fr-FR" smtClean="0"/>
-              <a:t>31/10/16</a:t>
+              <a:t>09/11/16</a:t>
             </a:fld>
             <a:endParaRPr lang="fr-FR" dirty="0"/>
           </a:p>
@@ -51770,7 +51729,7 @@
           <a:p>
             <a:fld id="{F0358708-4CAF-1A47-81A8-BC938940ABD9}" type="datetime1">
               <a:rPr lang="fr-FR" smtClean="0"/>
-              <a:t>31/10/16</a:t>
+              <a:t>09/11/16</a:t>
             </a:fld>
             <a:endParaRPr lang="fr-FR" dirty="0"/>
           </a:p>
@@ -51908,7 +51867,7 @@
           <a:p>
             <a:fld id="{2614141E-DF15-6A4B-AB0F-EE54CEFF66C2}" type="datetime1">
               <a:rPr lang="fr-FR" smtClean="0"/>
-              <a:t>31/10/16</a:t>
+              <a:t>09/11/16</a:t>
             </a:fld>
             <a:endParaRPr lang="fr-FR" dirty="0"/>
           </a:p>
@@ -52046,7 +52005,7 @@
           <a:p>
             <a:fld id="{2E9D1B44-14FB-CB48-A03B-1F7DA3ADFE13}" type="datetime1">
               <a:rPr lang="fr-FR" smtClean="0"/>
-              <a:t>31/10/16</a:t>
+              <a:t>09/11/16</a:t>
             </a:fld>
             <a:endParaRPr lang="fr-FR" dirty="0"/>
           </a:p>
@@ -52184,7 +52143,7 @@
           <a:p>
             <a:fld id="{C4114B18-61A7-9B43-B5CE-EC1D9E847737}" type="datetime1">
               <a:rPr lang="fr-FR" smtClean="0"/>
-              <a:t>31/10/16</a:t>
+              <a:t>09/11/16</a:t>
             </a:fld>
             <a:endParaRPr lang="fr-FR" dirty="0"/>
           </a:p>
@@ -52322,7 +52281,7 @@
           <a:p>
             <a:fld id="{3C87B787-8F71-564D-ADC4-44CAACA8D6A4}" type="datetime1">
               <a:rPr lang="fr-FR" smtClean="0"/>
-              <a:t>31/10/16</a:t>
+              <a:t>09/11/16</a:t>
             </a:fld>
             <a:endParaRPr lang="fr-FR" dirty="0"/>
           </a:p>
@@ -52460,7 +52419,7 @@
           <a:p>
             <a:fld id="{1FA1CA78-5A92-9040-A7AF-F8B5E50C1FFF}" type="datetime1">
               <a:rPr lang="fr-FR" smtClean="0"/>
-              <a:t>31/10/16</a:t>
+              <a:t>09/11/16</a:t>
             </a:fld>
             <a:endParaRPr lang="fr-FR" dirty="0"/>
           </a:p>
@@ -52598,7 +52557,7 @@
           <a:p>
             <a:fld id="{FD93BAE1-792B-294E-9F62-9711CC38FF3F}" type="datetime1">
               <a:rPr lang="fr-FR" smtClean="0"/>
-              <a:t>31/10/16</a:t>
+              <a:t>09/11/16</a:t>
             </a:fld>
             <a:endParaRPr lang="fr-FR" dirty="0"/>
           </a:p>
@@ -52838,13 +52797,8 @@
             </a:r>
             <a:r>
               <a:rPr lang="en-US" dirty="0" smtClean="0"/>
-              <a:t>in your </a:t>
-            </a:r>
-            <a:r>
-              <a:rPr lang="en-US" dirty="0" smtClean="0"/>
-              <a:t>script</a:t>
-            </a:r>
-            <a:endParaRPr lang="en-US" dirty="0" smtClean="0"/>
+              <a:t>in your script</a:t>
+            </a:r>
           </a:p>
         </p:txBody>
       </p:sp>
@@ -52865,7 +52819,7 @@
           <a:p>
             <a:fld id="{CB78E28A-D2CD-F44F-A0BB-600E48514626}" type="datetime1">
               <a:rPr lang="fr-FR" smtClean="0"/>
-              <a:t>31/10/16</a:t>
+              <a:t>09/11/16</a:t>
             </a:fld>
             <a:endParaRPr lang="fr-FR" dirty="0"/>
           </a:p>
@@ -54110,7 +54064,7 @@
           <a:p>
             <a:fld id="{67C2DE1B-3D66-5E48-B45C-4460F9197AEE}" type="datetime1">
               <a:rPr lang="fr-FR" smtClean="0"/>
-              <a:t>31/10/16</a:t>
+              <a:t>09/11/16</a:t>
             </a:fld>
             <a:endParaRPr lang="fr-FR" dirty="0"/>
           </a:p>
